--- a/Regex.pptx
+++ b/Regex.pptx
@@ -8,20 +8,21 @@
     <p:sldId id="256" r:id="rId2"/>
     <p:sldId id="257" r:id="rId3"/>
     <p:sldId id="258" r:id="rId4"/>
-    <p:sldId id="259" r:id="rId5"/>
-    <p:sldId id="260" r:id="rId6"/>
-    <p:sldId id="261" r:id="rId7"/>
-    <p:sldId id="262" r:id="rId8"/>
-    <p:sldId id="263" r:id="rId9"/>
-    <p:sldId id="264" r:id="rId10"/>
-    <p:sldId id="265" r:id="rId11"/>
-    <p:sldId id="266" r:id="rId12"/>
-    <p:sldId id="267" r:id="rId13"/>
-    <p:sldId id="268" r:id="rId14"/>
-    <p:sldId id="269" r:id="rId15"/>
-    <p:sldId id="270" r:id="rId16"/>
-    <p:sldId id="271" r:id="rId17"/>
-    <p:sldId id="272" r:id="rId18"/>
+    <p:sldId id="273" r:id="rId5"/>
+    <p:sldId id="259" r:id="rId6"/>
+    <p:sldId id="260" r:id="rId7"/>
+    <p:sldId id="261" r:id="rId8"/>
+    <p:sldId id="262" r:id="rId9"/>
+    <p:sldId id="263" r:id="rId10"/>
+    <p:sldId id="264" r:id="rId11"/>
+    <p:sldId id="265" r:id="rId12"/>
+    <p:sldId id="266" r:id="rId13"/>
+    <p:sldId id="267" r:id="rId14"/>
+    <p:sldId id="268" r:id="rId15"/>
+    <p:sldId id="269" r:id="rId16"/>
+    <p:sldId id="270" r:id="rId17"/>
+    <p:sldId id="271" r:id="rId18"/>
+    <p:sldId id="272" r:id="rId19"/>
   </p:sldIdLst>
   <p:sldSz cx="9144000" cy="6858000" type="screen4x3"/>
   <p:notesSz cx="6858000" cy="9144000"/>
@@ -137,6 +138,18 @@
     </p:ext>
   </p:extLst>
 </p:presentation>
+</file>
+
+<file path=ppt/commentAuthors.xml><?xml version="1.0" encoding="utf-8"?>
+<p:cmAuthorLst xmlns:a="http://schemas.openxmlformats.org/drawingml/2006/main" xmlns:r="http://schemas.openxmlformats.org/officeDocument/2006/relationships" xmlns:p="http://schemas.openxmlformats.org/presentationml/2006/main">
+  <p:cmAuthor id="1" name="Himanshu Rana" initials="HR" lastIdx="1" clrIdx="0">
+    <p:extLst>
+      <p:ext uri="{19B8F6BF-5375-455C-9EA6-DF929625EA0E}">
+        <p15:presenceInfo xmlns:p15="http://schemas.microsoft.com/office/powerpoint/2012/main" userId="a63469f261a7c603" providerId="Windows Live"/>
+      </p:ext>
+    </p:extLst>
+  </p:cmAuthor>
+</p:cmAuthorLst>
 </file>
 
 <file path=ppt/revisionInfo.xml><?xml version="1.0" encoding="utf-8"?>
@@ -3283,100 +3296,121 @@
       </p:grpSpPr>
       <p:sp>
         <p:nvSpPr>
-          <p:cNvPr id="2" name="Title 1"/>
-          <p:cNvSpPr>
-            <a:spLocks noGrp="1"/>
-          </p:cNvSpPr>
-          <p:nvPr>
-            <p:ph type="title"/>
-          </p:nvPr>
-        </p:nvSpPr>
-        <p:spPr/>
+          <p:cNvPr id="3" name="Content Placeholder 2"/>
+          <p:cNvSpPr>
+            <a:spLocks noGrp="1"/>
+          </p:cNvSpPr>
+          <p:nvPr>
+            <p:ph idx="1"/>
+          </p:nvPr>
+        </p:nvSpPr>
+        <p:spPr>
+          <a:xfrm>
+            <a:off x="467544" y="548680"/>
+            <a:ext cx="7620000" cy="4800600"/>
+          </a:xfrm>
+        </p:spPr>
         <p:txBody>
           <a:bodyPr/>
           <a:lstStyle/>
           <a:p>
             <a:r>
               <a:rPr lang="en-US" dirty="0"/>
-              <a:t>Greedy Expressions</a:t>
+              <a:t>Apples* matches </a:t>
+            </a:r>
+            <a:r>
+              <a:rPr lang="en-US" dirty="0" err="1"/>
+              <a:t>Applesssssssssss</a:t>
+            </a:r>
+            <a:r>
+              <a:rPr lang="en-US" dirty="0"/>
+              <a:t>, Apple and Apples.</a:t>
+            </a:r>
+          </a:p>
+          <a:p>
+            <a:r>
+              <a:rPr lang="en-US" dirty="0"/>
+              <a:t>Apples+ matches </a:t>
+            </a:r>
+            <a:r>
+              <a:rPr lang="en-US" dirty="0" err="1"/>
+              <a:t>Applesssssssssss</a:t>
+            </a:r>
+            <a:r>
+              <a:rPr lang="en-US" dirty="0"/>
+              <a:t> and Apples.</a:t>
+            </a:r>
+          </a:p>
+          <a:p>
+            <a:r>
+              <a:rPr lang="en-US" dirty="0"/>
+              <a:t>Apples? matches Apple and Apples.</a:t>
             </a:r>
             <a:endParaRPr lang="en-GB" dirty="0"/>
           </a:p>
-        </p:txBody>
-      </p:sp>
-      <p:sp>
-        <p:nvSpPr>
-          <p:cNvPr id="3" name="Content Placeholder 2"/>
-          <p:cNvSpPr>
-            <a:spLocks noGrp="1"/>
-          </p:cNvSpPr>
-          <p:nvPr>
-            <p:ph idx="1"/>
-          </p:nvPr>
-        </p:nvSpPr>
-        <p:spPr/>
-        <p:txBody>
-          <a:bodyPr/>
-          <a:lstStyle/>
-          <a:p>
-            <a:r>
-              <a:rPr lang="en-US" dirty="0"/>
-              <a:t>Standard repetition quantifiers are greedy.</a:t>
-            </a:r>
-          </a:p>
-          <a:p>
-            <a:r>
-              <a:rPr lang="en-US" dirty="0"/>
-              <a:t>Expression tries to match the longest possible string.</a:t>
-            </a:r>
-          </a:p>
-          <a:p>
-            <a:r>
-              <a:rPr lang="en-US" dirty="0"/>
-              <a:t>.+\.jpg matches filename.jpg. Here + is greedy but it gives back the “.jpg” to make the match(backtracking).</a:t>
-            </a:r>
-          </a:p>
-          <a:p>
-            <a:r>
-              <a:rPr lang="en-US" dirty="0"/>
-              <a:t>Expression gives back as little as possible.</a:t>
-            </a:r>
-          </a:p>
-          <a:p>
-            <a:r>
-              <a:rPr lang="en-US" dirty="0"/>
-              <a:t>.*\d+ in page 266 the \d has only 6 for \d+.</a:t>
-            </a:r>
-          </a:p>
-          <a:p>
-            <a:r>
-              <a:rPr lang="en-US" dirty="0"/>
-              <a:t>Regex is eager to give you result and greedy for maximum match.</a:t>
-            </a:r>
-          </a:p>
-          <a:p>
-            <a:r>
-              <a:rPr lang="en-US" dirty="0"/>
-              <a:t>“?” makes the quantifiers lazy i.e. “*?”,”+?”,”{</a:t>
-            </a:r>
+          <a:p>
+            <a:r>
+              <a:rPr lang="en-US" dirty="0"/>
+              <a:t>\d\d\d\d* matches numbers with 3 digits or more.</a:t>
+            </a:r>
+          </a:p>
+          <a:p>
+            <a:r>
+              <a:rPr lang="en-US" dirty="0"/>
+              <a:t>\d\d\d\d+ matches numbers with 4 digits or more.</a:t>
+            </a:r>
+          </a:p>
+          <a:p>
             <a:r>
               <a:rPr lang="en-US" dirty="0" err="1"/>
-              <a:t>min,max</a:t>
-            </a:r>
-            <a:r>
-              <a:rPr lang="en-US" dirty="0"/>
-              <a:t>}?”,”??”.</a:t>
-            </a:r>
-          </a:p>
-          <a:p>
-            <a:endParaRPr lang="en-GB" dirty="0"/>
+              <a:t>Colou?r</a:t>
+            </a:r>
+            <a:r>
+              <a:rPr lang="en-US" dirty="0"/>
+              <a:t> matches Color and </a:t>
+            </a:r>
+            <a:r>
+              <a:rPr lang="en-US" dirty="0" err="1"/>
+              <a:t>Colour</a:t>
+            </a:r>
+            <a:endParaRPr lang="en-US" dirty="0"/>
+          </a:p>
+          <a:p>
+            <a:r>
+              <a:rPr lang="en-US" dirty="0"/>
+              <a:t>\d{4,8} matches numbers with four to eight digits.</a:t>
+            </a:r>
+          </a:p>
+          <a:p>
+            <a:r>
+              <a:rPr lang="en-US" dirty="0"/>
+              <a:t>\d{4} matches numbers with exactly four digits(min is max).</a:t>
+            </a:r>
+          </a:p>
+          <a:p>
+            <a:r>
+              <a:rPr lang="en-US" dirty="0"/>
+              <a:t>\d{4,} matches numbers with four or more digits(max is infinite).</a:t>
+            </a:r>
+          </a:p>
+          <a:p>
+            <a:r>
+              <a:rPr lang="en-US" dirty="0"/>
+              <a:t>\d{0,} = \d*     and     \d{1,} = \d+</a:t>
+            </a:r>
+          </a:p>
+          <a:p>
+            <a:r>
+              <a:rPr lang="en-US" dirty="0"/>
+              <a:t>\d{3}-\d{3}-\d{4} matches my phone number 855-102-6626</a:t>
+            </a:r>
           </a:p>
         </p:txBody>
       </p:sp>
     </p:spTree>
     <p:extLst>
       <p:ext uri="{BB962C8B-B14F-4D97-AF65-F5344CB8AC3E}">
-        <p14:creationId xmlns:p14="http://schemas.microsoft.com/office/powerpoint/2010/main" val="696561074"/>
+        <p14:creationId xmlns:p14="http://schemas.microsoft.com/office/powerpoint/2010/main" val="1351867035"/>
       </p:ext>
     </p:extLst>
   </p:cSld>
@@ -3420,11 +3454,7 @@
           <a:p>
             <a:r>
               <a:rPr lang="en-US" dirty="0"/>
-              <a:t>Grouping </a:t>
-            </a:r>
-            <a:r>
-              <a:rPr lang="en-US" dirty="0" err="1"/>
-              <a:t>Metacharacters</a:t>
+              <a:t>Greedy Expressions</a:t>
             </a:r>
             <a:endParaRPr lang="en-GB" dirty="0"/>
           </a:p>
@@ -3447,65 +3477,54 @@
           <a:p>
             <a:r>
               <a:rPr lang="en-US" dirty="0"/>
-              <a:t>( and ) are Grouping </a:t>
+              <a:t>Standard repetition quantifiers are greedy.</a:t>
+            </a:r>
+          </a:p>
+          <a:p>
+            <a:r>
+              <a:rPr lang="en-US" dirty="0"/>
+              <a:t>Expression tries to match the longest possible string.</a:t>
+            </a:r>
+          </a:p>
+          <a:p>
+            <a:r>
+              <a:rPr lang="en-US" dirty="0"/>
+              <a:t>.+\.jpg matches filename.jpg. Here + is greedy but it gives back the “.jpg” to make the match(backtracking).</a:t>
+            </a:r>
+          </a:p>
+          <a:p>
+            <a:r>
+              <a:rPr lang="en-US" dirty="0"/>
+              <a:t>Expression gives back as little as possible.</a:t>
+            </a:r>
+          </a:p>
+          <a:p>
+            <a:r>
+              <a:rPr lang="en-US" dirty="0"/>
+              <a:t>.*\d+ in page 266 the \d has only 6 for \d+.</a:t>
+            </a:r>
+          </a:p>
+          <a:p>
+            <a:r>
+              <a:rPr lang="en-US" dirty="0"/>
+              <a:t>Regex is eager to give you result and greedy for maximum match.</a:t>
+            </a:r>
+          </a:p>
+          <a:p>
+            <a:r>
+              <a:rPr lang="en-US" dirty="0"/>
+              <a:t>“?” makes the quantifiers lazy i.e. “*?”,”+?”,”{</a:t>
             </a:r>
             <a:r>
               <a:rPr lang="en-US" dirty="0" err="1"/>
-              <a:t>Metacharacters</a:t>
-            </a:r>
-            <a:r>
-              <a:rPr lang="en-US" dirty="0"/>
-              <a:t>.</a:t>
-            </a:r>
-          </a:p>
-          <a:p>
-            <a:r>
-              <a:rPr lang="en-US" dirty="0"/>
-              <a:t>Allows repetition to a group instead of a single character.</a:t>
-            </a:r>
-          </a:p>
-          <a:p>
-            <a:r>
-              <a:rPr lang="en-US" dirty="0"/>
-              <a:t>Makes expression easier to read.</a:t>
-            </a:r>
-          </a:p>
-          <a:p>
-            <a:r>
-              <a:rPr lang="en-US" dirty="0"/>
-              <a:t>Captures the group for use in matching and replacing.</a:t>
-            </a:r>
-          </a:p>
-          <a:p>
-            <a:r>
-              <a:rPr lang="en-US" dirty="0"/>
-              <a:t>Cannot be used inside a character set.</a:t>
-            </a:r>
-          </a:p>
-          <a:p>
-            <a:r>
-              <a:rPr lang="en-US" dirty="0"/>
-              <a:t>Example (</a:t>
-            </a:r>
-            <a:r>
-              <a:rPr lang="en-US" dirty="0" err="1"/>
-              <a:t>abc</a:t>
-            </a:r>
-            <a:r>
-              <a:rPr lang="en-US" dirty="0"/>
-              <a:t>)+ matches </a:t>
-            </a:r>
-            <a:r>
-              <a:rPr lang="en-US" dirty="0" err="1"/>
-              <a:t>abcabcabc</a:t>
-            </a:r>
-            <a:endParaRPr lang="en-US" dirty="0"/>
-          </a:p>
-          <a:p>
-            <a:r>
-              <a:rPr lang="en-US" dirty="0"/>
-              <a:t>Example (in)?dependent matches dependent and independent.</a:t>
-            </a:r>
+              <a:t>min,max</a:t>
+            </a:r>
+            <a:r>
+              <a:rPr lang="en-US" dirty="0"/>
+              <a:t>}?”,”??”.</a:t>
+            </a:r>
+          </a:p>
+          <a:p>
             <a:endParaRPr lang="en-GB" dirty="0"/>
           </a:p>
         </p:txBody>
@@ -3513,7 +3532,7 @@
     </p:spTree>
     <p:extLst>
       <p:ext uri="{BB962C8B-B14F-4D97-AF65-F5344CB8AC3E}">
-        <p14:creationId xmlns:p14="http://schemas.microsoft.com/office/powerpoint/2010/main" val="3819221055"/>
+        <p14:creationId xmlns:p14="http://schemas.microsoft.com/office/powerpoint/2010/main" val="696561074"/>
       </p:ext>
     </p:extLst>
   </p:cSld>
@@ -3557,6 +3576,143 @@
           <a:p>
             <a:r>
               <a:rPr lang="en-US" dirty="0"/>
+              <a:t>Grouping </a:t>
+            </a:r>
+            <a:r>
+              <a:rPr lang="en-US" dirty="0" err="1"/>
+              <a:t>Metacharacters</a:t>
+            </a:r>
+            <a:endParaRPr lang="en-GB" dirty="0"/>
+          </a:p>
+        </p:txBody>
+      </p:sp>
+      <p:sp>
+        <p:nvSpPr>
+          <p:cNvPr id="3" name="Content Placeholder 2"/>
+          <p:cNvSpPr>
+            <a:spLocks noGrp="1"/>
+          </p:cNvSpPr>
+          <p:nvPr>
+            <p:ph idx="1"/>
+          </p:nvPr>
+        </p:nvSpPr>
+        <p:spPr/>
+        <p:txBody>
+          <a:bodyPr/>
+          <a:lstStyle/>
+          <a:p>
+            <a:r>
+              <a:rPr lang="en-US" dirty="0"/>
+              <a:t>( and ) are Grouping </a:t>
+            </a:r>
+            <a:r>
+              <a:rPr lang="en-US" dirty="0" err="1"/>
+              <a:t>Metacharacters</a:t>
+            </a:r>
+            <a:r>
+              <a:rPr lang="en-US" dirty="0"/>
+              <a:t>.</a:t>
+            </a:r>
+          </a:p>
+          <a:p>
+            <a:r>
+              <a:rPr lang="en-US" dirty="0"/>
+              <a:t>Allows repetition to a group instead of a single character.</a:t>
+            </a:r>
+          </a:p>
+          <a:p>
+            <a:r>
+              <a:rPr lang="en-US" dirty="0"/>
+              <a:t>Makes expression easier to read.</a:t>
+            </a:r>
+          </a:p>
+          <a:p>
+            <a:r>
+              <a:rPr lang="en-US" dirty="0"/>
+              <a:t>Captures the group for use in matching and replacing.</a:t>
+            </a:r>
+          </a:p>
+          <a:p>
+            <a:r>
+              <a:rPr lang="en-US" dirty="0"/>
+              <a:t>Cannot be used inside a character set.</a:t>
+            </a:r>
+          </a:p>
+          <a:p>
+            <a:r>
+              <a:rPr lang="en-US" dirty="0"/>
+              <a:t>Example (</a:t>
+            </a:r>
+            <a:r>
+              <a:rPr lang="en-US" dirty="0" err="1"/>
+              <a:t>abc</a:t>
+            </a:r>
+            <a:r>
+              <a:rPr lang="en-US" dirty="0"/>
+              <a:t>)+ matches </a:t>
+            </a:r>
+            <a:r>
+              <a:rPr lang="en-US" dirty="0" err="1"/>
+              <a:t>abcabcabc</a:t>
+            </a:r>
+            <a:endParaRPr lang="en-US" dirty="0"/>
+          </a:p>
+          <a:p>
+            <a:r>
+              <a:rPr lang="en-US" dirty="0"/>
+              <a:t>Example (in)?dependent matches dependent and independent.</a:t>
+            </a:r>
+            <a:endParaRPr lang="en-GB" dirty="0"/>
+          </a:p>
+        </p:txBody>
+      </p:sp>
+    </p:spTree>
+    <p:extLst>
+      <p:ext uri="{BB962C8B-B14F-4D97-AF65-F5344CB8AC3E}">
+        <p14:creationId xmlns:p14="http://schemas.microsoft.com/office/powerpoint/2010/main" val="3819221055"/>
+      </p:ext>
+    </p:extLst>
+  </p:cSld>
+  <p:clrMapOvr>
+    <a:masterClrMapping/>
+  </p:clrMapOvr>
+</p:sld>
+</file>
+
+<file path=ppt/slides/slide13.xml><?xml version="1.0" encoding="utf-8"?>
+<p:sld xmlns:a="http://schemas.openxmlformats.org/drawingml/2006/main" xmlns:r="http://schemas.openxmlformats.org/officeDocument/2006/relationships" xmlns:p="http://schemas.openxmlformats.org/presentationml/2006/main">
+  <p:cSld>
+    <p:spTree>
+      <p:nvGrpSpPr>
+        <p:cNvPr id="1" name=""/>
+        <p:cNvGrpSpPr/>
+        <p:nvPr/>
+      </p:nvGrpSpPr>
+      <p:grpSpPr>
+        <a:xfrm>
+          <a:off x="0" y="0"/>
+          <a:ext cx="0" cy="0"/>
+          <a:chOff x="0" y="0"/>
+          <a:chExt cx="0" cy="0"/>
+        </a:xfrm>
+      </p:grpSpPr>
+      <p:sp>
+        <p:nvSpPr>
+          <p:cNvPr id="2" name="Title 1"/>
+          <p:cNvSpPr>
+            <a:spLocks noGrp="1"/>
+          </p:cNvSpPr>
+          <p:nvPr>
+            <p:ph type="title"/>
+          </p:nvPr>
+        </p:nvSpPr>
+        <p:spPr/>
+        <p:txBody>
+          <a:bodyPr/>
+          <a:lstStyle/>
+          <a:p>
+            <a:r>
+              <a:rPr lang="en-US" dirty="0"/>
               <a:t>Alteration </a:t>
             </a:r>
             <a:r>
@@ -3697,7 +3853,7 @@
 </p:sld>
 </file>
 
-<file path=ppt/slides/slide13.xml><?xml version="1.0" encoding="utf-8"?>
+<file path=ppt/slides/slide14.xml><?xml version="1.0" encoding="utf-8"?>
 <p:sld xmlns:a="http://schemas.openxmlformats.org/drawingml/2006/main" xmlns:r="http://schemas.openxmlformats.org/officeDocument/2006/relationships" xmlns:p="http://schemas.openxmlformats.org/presentationml/2006/main">
   <p:cSld>
     <p:spTree>
@@ -4233,203 +4389,6 @@
 </p:sld>
 </file>
 
-<file path=ppt/slides/slide14.xml><?xml version="1.0" encoding="utf-8"?>
-<p:sld xmlns:a="http://schemas.openxmlformats.org/drawingml/2006/main" xmlns:r="http://schemas.openxmlformats.org/officeDocument/2006/relationships" xmlns:p="http://schemas.openxmlformats.org/presentationml/2006/main">
-  <p:cSld>
-    <p:spTree>
-      <p:nvGrpSpPr>
-        <p:cNvPr id="1" name=""/>
-        <p:cNvGrpSpPr/>
-        <p:nvPr/>
-      </p:nvGrpSpPr>
-      <p:grpSpPr>
-        <a:xfrm>
-          <a:off x="0" y="0"/>
-          <a:ext cx="0" cy="0"/>
-          <a:chOff x="0" y="0"/>
-          <a:chExt cx="0" cy="0"/>
-        </a:xfrm>
-      </p:grpSpPr>
-      <p:sp>
-        <p:nvSpPr>
-          <p:cNvPr id="2" name="Title 1"/>
-          <p:cNvSpPr>
-            <a:spLocks noGrp="1"/>
-          </p:cNvSpPr>
-          <p:nvPr>
-            <p:ph type="title"/>
-          </p:nvPr>
-        </p:nvSpPr>
-        <p:spPr/>
-        <p:txBody>
-          <a:bodyPr/>
-          <a:lstStyle/>
-          <a:p>
-            <a:r>
-              <a:rPr lang="en-US" dirty="0" err="1"/>
-              <a:t>Backrefences</a:t>
-            </a:r>
-            <a:r>
-              <a:rPr lang="en-US" dirty="0"/>
-              <a:t> in Regex</a:t>
-            </a:r>
-            <a:endParaRPr lang="en-GB" dirty="0"/>
-          </a:p>
-        </p:txBody>
-      </p:sp>
-      <p:sp>
-        <p:nvSpPr>
-          <p:cNvPr id="3" name="Content Placeholder 2"/>
-          <p:cNvSpPr>
-            <a:spLocks noGrp="1"/>
-          </p:cNvSpPr>
-          <p:nvPr>
-            <p:ph idx="1"/>
-          </p:nvPr>
-        </p:nvSpPr>
-        <p:spPr/>
-        <p:txBody>
-          <a:bodyPr/>
-          <a:lstStyle/>
-          <a:p>
-            <a:r>
-              <a:rPr lang="en-US" dirty="0"/>
-              <a:t>Grouped expressions are captured in Regex.</a:t>
-            </a:r>
-          </a:p>
-          <a:p>
-            <a:r>
-              <a:rPr lang="en-US" dirty="0"/>
-              <a:t>Stores the matched portion in parentheses.</a:t>
-            </a:r>
-          </a:p>
-          <a:p>
-            <a:r>
-              <a:rPr lang="en-US" dirty="0"/>
-              <a:t>A(p{2}l)e matches apple and stores “</a:t>
-            </a:r>
-            <a:r>
-              <a:rPr lang="en-US" dirty="0" err="1"/>
-              <a:t>ppl</a:t>
-            </a:r>
-            <a:r>
-              <a:rPr lang="en-US" dirty="0"/>
-              <a:t>”.</a:t>
-            </a:r>
-          </a:p>
-          <a:p>
-            <a:r>
-              <a:rPr lang="en-US" dirty="0"/>
-              <a:t>\1 - \9 are  used to store back references.</a:t>
-            </a:r>
-          </a:p>
-          <a:p>
-            <a:r>
-              <a:rPr lang="en-US" dirty="0"/>
-              <a:t>Can be used in the same expression as the group.</a:t>
-            </a:r>
-          </a:p>
-          <a:p>
-            <a:r>
-              <a:rPr lang="en-US" dirty="0"/>
-              <a:t>Can be accessed after the match is complete.</a:t>
-            </a:r>
-          </a:p>
-          <a:p>
-            <a:r>
-              <a:rPr lang="en-US" dirty="0"/>
-              <a:t>Example (apples) to \1 matches “apples to apples”.</a:t>
-            </a:r>
-          </a:p>
-          <a:p>
-            <a:r>
-              <a:rPr lang="en-US" dirty="0"/>
-              <a:t>Example &lt;(</a:t>
-            </a:r>
-            <a:r>
-              <a:rPr lang="en-US" dirty="0" err="1"/>
-              <a:t>i|em</a:t>
-            </a:r>
-            <a:r>
-              <a:rPr lang="en-US" dirty="0"/>
-              <a:t>)&gt;.+?&lt;/\1&gt; matches “&lt;</a:t>
-            </a:r>
-            <a:r>
-              <a:rPr lang="en-US" dirty="0" err="1"/>
-              <a:t>em</a:t>
-            </a:r>
-            <a:r>
-              <a:rPr lang="en-US" dirty="0"/>
-              <a:t>&gt;Hello&lt;/</a:t>
-            </a:r>
-            <a:r>
-              <a:rPr lang="en-US" dirty="0" err="1"/>
-              <a:t>em</a:t>
-            </a:r>
-            <a:r>
-              <a:rPr lang="en-US" dirty="0"/>
-              <a:t>&gt;” and “&lt;</a:t>
-            </a:r>
-            <a:r>
-              <a:rPr lang="en-US" dirty="0" err="1"/>
-              <a:t>i</a:t>
-            </a:r>
-            <a:r>
-              <a:rPr lang="en-US" dirty="0"/>
-              <a:t>&gt;Hi&lt;/</a:t>
-            </a:r>
-            <a:r>
-              <a:rPr lang="en-US" dirty="0" err="1"/>
-              <a:t>i</a:t>
-            </a:r>
-            <a:r>
-              <a:rPr lang="en-US" dirty="0"/>
-              <a:t>&gt;” and do not match “&lt;</a:t>
-            </a:r>
-            <a:r>
-              <a:rPr lang="en-US" dirty="0" err="1"/>
-              <a:t>em</a:t>
-            </a:r>
-            <a:r>
-              <a:rPr lang="en-US" dirty="0"/>
-              <a:t>&gt;Hello&lt;/</a:t>
-            </a:r>
-            <a:r>
-              <a:rPr lang="en-US" dirty="0" err="1"/>
-              <a:t>i</a:t>
-            </a:r>
-            <a:r>
-              <a:rPr lang="en-US" dirty="0"/>
-              <a:t>&gt;”.</a:t>
-            </a:r>
-          </a:p>
-          <a:p>
-            <a:r>
-              <a:rPr lang="en-US" dirty="0"/>
-              <a:t>Careful backreferences. (A?)B\1 matches B.</a:t>
-            </a:r>
-          </a:p>
-          <a:p>
-            <a:r>
-              <a:rPr lang="en-US" dirty="0"/>
-              <a:t>Find Replace using backreferences. Some programming languages use $1 instead of \1.</a:t>
-            </a:r>
-          </a:p>
-        </p:txBody>
-      </p:sp>
-    </p:spTree>
-    <p:extLst>
-      <p:ext uri="{BB962C8B-B14F-4D97-AF65-F5344CB8AC3E}">
-        <p14:creationId xmlns:p14="http://schemas.microsoft.com/office/powerpoint/2010/main" val="1010922520"/>
-      </p:ext>
-    </p:extLst>
-  </p:cSld>
-  <p:clrMapOvr>
-    <a:masterClrMapping/>
-  </p:clrMapOvr>
-</p:sld>
-</file>
-
 <file path=ppt/slides/slide15.xml><?xml version="1.0" encoding="utf-8"?>
 <p:sld xmlns:a="http://schemas.openxmlformats.org/drawingml/2006/main" xmlns:r="http://schemas.openxmlformats.org/officeDocument/2006/relationships" xmlns:p="http://schemas.openxmlformats.org/presentationml/2006/main">
   <p:cSld>
@@ -4449,13 +4408,7 @@
       </p:grpSpPr>
       <p:sp>
         <p:nvSpPr>
-          <p:cNvPr id="2" name="Title 1">
-            <a:extLst>
-              <a:ext uri="{FF2B5EF4-FFF2-40B4-BE49-F238E27FC236}">
-                <a16:creationId xmlns:a16="http://schemas.microsoft.com/office/drawing/2014/main" id="{E5FFE465-5BED-4B09-9685-A0962DAF9826}"/>
-              </a:ext>
-            </a:extLst>
-          </p:cNvPr>
+          <p:cNvPr id="2" name="Title 1"/>
           <p:cNvSpPr>
             <a:spLocks noGrp="1"/>
           </p:cNvSpPr>
@@ -4469,26 +4422,20 @@
           <a:lstStyle/>
           <a:p>
             <a:r>
-              <a:rPr lang="en-IN" dirty="0"/>
-              <a:t>Optional </a:t>
-            </a:r>
-            <a:r>
-              <a:rPr lang="en-IN" dirty="0" err="1"/>
-              <a:t>Backreferecnes</a:t>
-            </a:r>
-            <a:endParaRPr lang="en-IN" dirty="0"/>
-          </a:p>
-        </p:txBody>
-      </p:sp>
-      <p:sp>
-        <p:nvSpPr>
-          <p:cNvPr id="3" name="Content Placeholder 2">
-            <a:extLst>
-              <a:ext uri="{FF2B5EF4-FFF2-40B4-BE49-F238E27FC236}">
-                <a16:creationId xmlns:a16="http://schemas.microsoft.com/office/drawing/2014/main" id="{5E455BFD-87A8-4F96-9CA2-01137012EFC1}"/>
-              </a:ext>
-            </a:extLst>
-          </p:cNvPr>
+              <a:rPr lang="en-US" dirty="0" err="1"/>
+              <a:t>Backrefences</a:t>
+            </a:r>
+            <a:r>
+              <a:rPr lang="en-US" dirty="0"/>
+              <a:t> in Regex</a:t>
+            </a:r>
+            <a:endParaRPr lang="en-GB" dirty="0"/>
+          </a:p>
+        </p:txBody>
+      </p:sp>
+      <p:sp>
+        <p:nvSpPr>
+          <p:cNvPr id="3" name="Content Placeholder 2"/>
           <p:cNvSpPr>
             <a:spLocks noGrp="1"/>
           </p:cNvSpPr>
@@ -4502,33 +4449,126 @@
           <a:lstStyle/>
           <a:p>
             <a:r>
-              <a:rPr lang="en-IN" dirty="0"/>
-              <a:t>\1, \2 are limited to 99 while in some programming it is limited to 99.</a:t>
-            </a:r>
-          </a:p>
-          <a:p>
-            <a:r>
-              <a:rPr lang="pt-BR" dirty="0"/>
-              <a:t>?: -&gt; ? Means give this group a different meaning while : means this is a non capturing group expression.</a:t>
-            </a:r>
-            <a:endParaRPr lang="en-IN" dirty="0"/>
-          </a:p>
-          <a:p>
-            <a:r>
-              <a:rPr lang="pt-BR" dirty="0"/>
-              <a:t>(a)(b)(c)(d)(e)(f)(g)(h)(i)(j)(k)\1\2\3\4\5\6\7\8\9\10\11 matches abcdefghijkabcdefghijk</a:t>
-            </a:r>
-          </a:p>
-          <a:p>
-            <a:r>
-              <a:rPr lang="pt-BR" dirty="0"/>
-              <a:t>To skip some we make it optional.</a:t>
-            </a:r>
-          </a:p>
-          <a:p>
-            <a:r>
-              <a:rPr lang="pt-BR" dirty="0"/>
-              <a:t>(?:a)(b)(c)(d)(e)(f)(g)(h)(i)(j)(k)\1\2\3\4\5\6\7\8\9\10 matches abcdefghijkbcdefghijk.</a:t>
+              <a:rPr lang="en-US" dirty="0"/>
+              <a:t>Grouped expressions are captured in Regex.</a:t>
+            </a:r>
+          </a:p>
+          <a:p>
+            <a:r>
+              <a:rPr lang="en-US" dirty="0"/>
+              <a:t>Stores the matched portion in parentheses.</a:t>
+            </a:r>
+          </a:p>
+          <a:p>
+            <a:r>
+              <a:rPr lang="en-US" dirty="0"/>
+              <a:t>A(p{2}l)e matches apple and stores “</a:t>
+            </a:r>
+            <a:r>
+              <a:rPr lang="en-US" dirty="0" err="1"/>
+              <a:t>ppl</a:t>
+            </a:r>
+            <a:r>
+              <a:rPr lang="en-US" dirty="0"/>
+              <a:t>”.</a:t>
+            </a:r>
+          </a:p>
+          <a:p>
+            <a:r>
+              <a:rPr lang="en-US" dirty="0"/>
+              <a:t>\1 - \9 are  used to store back references.</a:t>
+            </a:r>
+          </a:p>
+          <a:p>
+            <a:r>
+              <a:rPr lang="en-US" dirty="0"/>
+              <a:t>Can be used in the same expression as the group.</a:t>
+            </a:r>
+          </a:p>
+          <a:p>
+            <a:r>
+              <a:rPr lang="en-US" dirty="0"/>
+              <a:t>Can be accessed after the match is complete.</a:t>
+            </a:r>
+          </a:p>
+          <a:p>
+            <a:r>
+              <a:rPr lang="en-US" dirty="0"/>
+              <a:t>Example (apples) to \1 matches “apples to apples”.</a:t>
+            </a:r>
+          </a:p>
+          <a:p>
+            <a:r>
+              <a:rPr lang="en-US" dirty="0"/>
+              <a:t>Example &lt;(</a:t>
+            </a:r>
+            <a:r>
+              <a:rPr lang="en-US" dirty="0" err="1"/>
+              <a:t>i|em</a:t>
+            </a:r>
+            <a:r>
+              <a:rPr lang="en-US" dirty="0"/>
+              <a:t>)&gt;.+?&lt;/\1&gt; matches “&lt;</a:t>
+            </a:r>
+            <a:r>
+              <a:rPr lang="en-US" dirty="0" err="1"/>
+              <a:t>em</a:t>
+            </a:r>
+            <a:r>
+              <a:rPr lang="en-US" dirty="0"/>
+              <a:t>&gt;Hello&lt;/</a:t>
+            </a:r>
+            <a:r>
+              <a:rPr lang="en-US" dirty="0" err="1"/>
+              <a:t>em</a:t>
+            </a:r>
+            <a:r>
+              <a:rPr lang="en-US" dirty="0"/>
+              <a:t>&gt;” and “&lt;</a:t>
+            </a:r>
+            <a:r>
+              <a:rPr lang="en-US" dirty="0" err="1"/>
+              <a:t>i</a:t>
+            </a:r>
+            <a:r>
+              <a:rPr lang="en-US" dirty="0"/>
+              <a:t>&gt;Hi&lt;/</a:t>
+            </a:r>
+            <a:r>
+              <a:rPr lang="en-US" dirty="0" err="1"/>
+              <a:t>i</a:t>
+            </a:r>
+            <a:r>
+              <a:rPr lang="en-US" dirty="0"/>
+              <a:t>&gt;” and do not match “&lt;</a:t>
+            </a:r>
+            <a:r>
+              <a:rPr lang="en-US" dirty="0" err="1"/>
+              <a:t>em</a:t>
+            </a:r>
+            <a:r>
+              <a:rPr lang="en-US" dirty="0"/>
+              <a:t>&gt;Hello&lt;/</a:t>
+            </a:r>
+            <a:r>
+              <a:rPr lang="en-US" dirty="0" err="1"/>
+              <a:t>i</a:t>
+            </a:r>
+            <a:r>
+              <a:rPr lang="en-US" dirty="0"/>
+              <a:t>&gt;”.</a:t>
+            </a:r>
+          </a:p>
+          <a:p>
+            <a:r>
+              <a:rPr lang="en-US" dirty="0"/>
+              <a:t>Careful backreferences. (A?)B\1 matches B.</a:t>
+            </a:r>
+          </a:p>
+          <a:p>
+            <a:r>
+              <a:rPr lang="en-US" dirty="0"/>
+              <a:t>Find Replace using backreferences. Some programming languages use $1 instead of \1.</a:t>
             </a:r>
           </a:p>
         </p:txBody>
@@ -4536,7 +4576,7 @@
     </p:spTree>
     <p:extLst>
       <p:ext uri="{BB962C8B-B14F-4D97-AF65-F5344CB8AC3E}">
-        <p14:creationId xmlns:p14="http://schemas.microsoft.com/office/powerpoint/2010/main" val="3497193345"/>
+        <p14:creationId xmlns:p14="http://schemas.microsoft.com/office/powerpoint/2010/main" val="1010922520"/>
       </p:ext>
     </p:extLst>
   </p:cSld>
@@ -4568,6 +4608,122 @@
           <p:cNvPr id="2" name="Title 1">
             <a:extLst>
               <a:ext uri="{FF2B5EF4-FFF2-40B4-BE49-F238E27FC236}">
+                <a16:creationId xmlns:a16="http://schemas.microsoft.com/office/drawing/2014/main" id="{E5FFE465-5BED-4B09-9685-A0962DAF9826}"/>
+              </a:ext>
+            </a:extLst>
+          </p:cNvPr>
+          <p:cNvSpPr>
+            <a:spLocks noGrp="1"/>
+          </p:cNvSpPr>
+          <p:nvPr>
+            <p:ph type="title"/>
+          </p:nvPr>
+        </p:nvSpPr>
+        <p:spPr/>
+        <p:txBody>
+          <a:bodyPr/>
+          <a:lstStyle/>
+          <a:p>
+            <a:r>
+              <a:rPr lang="en-IN" dirty="0"/>
+              <a:t>Optional </a:t>
+            </a:r>
+            <a:r>
+              <a:rPr lang="en-IN" dirty="0" err="1"/>
+              <a:t>Backreferecnes</a:t>
+            </a:r>
+            <a:endParaRPr lang="en-IN" dirty="0"/>
+          </a:p>
+        </p:txBody>
+      </p:sp>
+      <p:sp>
+        <p:nvSpPr>
+          <p:cNvPr id="3" name="Content Placeholder 2">
+            <a:extLst>
+              <a:ext uri="{FF2B5EF4-FFF2-40B4-BE49-F238E27FC236}">
+                <a16:creationId xmlns:a16="http://schemas.microsoft.com/office/drawing/2014/main" id="{5E455BFD-87A8-4F96-9CA2-01137012EFC1}"/>
+              </a:ext>
+            </a:extLst>
+          </p:cNvPr>
+          <p:cNvSpPr>
+            <a:spLocks noGrp="1"/>
+          </p:cNvSpPr>
+          <p:nvPr>
+            <p:ph idx="1"/>
+          </p:nvPr>
+        </p:nvSpPr>
+        <p:spPr/>
+        <p:txBody>
+          <a:bodyPr/>
+          <a:lstStyle/>
+          <a:p>
+            <a:r>
+              <a:rPr lang="en-IN" dirty="0"/>
+              <a:t>\1, \2 are limited to 99 while in some programming it is limited to 99.</a:t>
+            </a:r>
+          </a:p>
+          <a:p>
+            <a:r>
+              <a:rPr lang="pt-BR" dirty="0"/>
+              <a:t>?: -&gt; ? Means give this group a different meaning while : means this is a non capturing group expression.</a:t>
+            </a:r>
+            <a:endParaRPr lang="en-IN" dirty="0"/>
+          </a:p>
+          <a:p>
+            <a:r>
+              <a:rPr lang="pt-BR" dirty="0"/>
+              <a:t>(a)(b)(c)(d)(e)(f)(g)(h)(i)(j)(k)\1\2\3\4\5\6\7\8\9\10\11 matches abcdefghijkabcdefghijk</a:t>
+            </a:r>
+          </a:p>
+          <a:p>
+            <a:r>
+              <a:rPr lang="pt-BR" dirty="0"/>
+              <a:t>To skip some we make it optional.</a:t>
+            </a:r>
+          </a:p>
+          <a:p>
+            <a:r>
+              <a:rPr lang="pt-BR" dirty="0"/>
+              <a:t>(?:a)(b)(c)(d)(e)(f)(g)(h)(i)(j)(k)\1\2\3\4\5\6\7\8\9\10 matches abcdefghijkbcdefghijk.</a:t>
+            </a:r>
+          </a:p>
+        </p:txBody>
+      </p:sp>
+    </p:spTree>
+    <p:extLst>
+      <p:ext uri="{BB962C8B-B14F-4D97-AF65-F5344CB8AC3E}">
+        <p14:creationId xmlns:p14="http://schemas.microsoft.com/office/powerpoint/2010/main" val="3497193345"/>
+      </p:ext>
+    </p:extLst>
+  </p:cSld>
+  <p:clrMapOvr>
+    <a:masterClrMapping/>
+  </p:clrMapOvr>
+</p:sld>
+</file>
+
+<file path=ppt/slides/slide17.xml><?xml version="1.0" encoding="utf-8"?>
+<p:sld xmlns:a="http://schemas.openxmlformats.org/drawingml/2006/main" xmlns:r="http://schemas.openxmlformats.org/officeDocument/2006/relationships" xmlns:p="http://schemas.openxmlformats.org/presentationml/2006/main">
+  <p:cSld>
+    <p:spTree>
+      <p:nvGrpSpPr>
+        <p:cNvPr id="1" name=""/>
+        <p:cNvGrpSpPr/>
+        <p:nvPr/>
+      </p:nvGrpSpPr>
+      <p:grpSpPr>
+        <a:xfrm>
+          <a:off x="0" y="0"/>
+          <a:ext cx="0" cy="0"/>
+          <a:chOff x="0" y="0"/>
+          <a:chExt cx="0" cy="0"/>
+        </a:xfrm>
+      </p:grpSpPr>
+      <p:sp>
+        <p:nvSpPr>
+          <p:cNvPr id="2" name="Title 1">
+            <a:extLst>
+              <a:ext uri="{FF2B5EF4-FFF2-40B4-BE49-F238E27FC236}">
                 <a16:creationId xmlns:a16="http://schemas.microsoft.com/office/drawing/2014/main" id="{C2512EC6-9F3B-4E42-B03B-1FBDE234DEAF}"/>
               </a:ext>
             </a:extLst>
@@ -4686,7 +4842,7 @@
 </p:sld>
 </file>
 
-<file path=ppt/slides/slide17.xml><?xml version="1.0" encoding="utf-8"?>
+<file path=ppt/slides/slide18.xml><?xml version="1.0" encoding="utf-8"?>
 <p:sld xmlns:a="http://schemas.openxmlformats.org/drawingml/2006/main" xmlns:r="http://schemas.openxmlformats.org/officeDocument/2006/relationships" xmlns:p="http://schemas.openxmlformats.org/presentationml/2006/main">
   <p:cSld>
     <p:spTree>
@@ -4981,7 +5137,11 @@
           <a:p>
             <a:r>
               <a:rPr lang="en-US" dirty="0"/>
-              <a:t>Environment Setup</a:t>
+              <a:t>Available </a:t>
+            </a:r>
+            <a:r>
+              <a:rPr lang="en-US" dirty="0" err="1"/>
+              <a:t>Flavours</a:t>
             </a:r>
             <a:endParaRPr lang="en-GB" dirty="0"/>
           </a:p>
@@ -5106,9 +5266,86 @@
           <a:chExt cx="0" cy="0"/>
         </a:xfrm>
       </p:grpSpPr>
-      <p:sp>
-        <p:nvSpPr>
-          <p:cNvPr id="2" name="Title 1"/>
+      <p:pic>
+        <p:nvPicPr>
+          <p:cNvPr id="4" name="Content Placeholder 3">
+            <a:extLst>
+              <a:ext uri="{FF2B5EF4-FFF2-40B4-BE49-F238E27FC236}">
+                <a16:creationId xmlns:a16="http://schemas.microsoft.com/office/drawing/2014/main" id="{1BD86E4A-9C79-4582-9D06-B4A9103333EF}"/>
+              </a:ext>
+            </a:extLst>
+          </p:cNvPr>
+          <p:cNvPicPr>
+            <a:picLocks noGrp="1" noChangeAspect="1"/>
+          </p:cNvPicPr>
+          <p:nvPr>
+            <p:ph idx="1"/>
+          </p:nvPr>
+        </p:nvPicPr>
+        <p:blipFill>
+          <a:blip r:embed="rId2"/>
+          <a:stretch>
+            <a:fillRect/>
+          </a:stretch>
+        </p:blipFill>
+        <p:spPr>
+          <a:xfrm>
+            <a:off x="0" y="1196752"/>
+            <a:ext cx="8444586" cy="5108652"/>
+          </a:xfrm>
+          <a:prstGeom prst="rect">
+            <a:avLst/>
+          </a:prstGeom>
+        </p:spPr>
+      </p:pic>
+      <p:sp>
+        <p:nvSpPr>
+          <p:cNvPr id="5" name="TextBox 4">
+            <a:extLst>
+              <a:ext uri="{FF2B5EF4-FFF2-40B4-BE49-F238E27FC236}">
+                <a16:creationId xmlns:a16="http://schemas.microsoft.com/office/drawing/2014/main" id="{2BFC814B-F7AB-42B0-96FA-3F5BB9A07E45}"/>
+              </a:ext>
+            </a:extLst>
+          </p:cNvPr>
+          <p:cNvSpPr txBox="1"/>
+          <p:nvPr/>
+        </p:nvSpPr>
+        <p:spPr>
+          <a:xfrm>
+            <a:off x="2386089" y="6440406"/>
+            <a:ext cx="3672408" cy="369332"/>
+          </a:xfrm>
+          <a:prstGeom prst="rect">
+            <a:avLst/>
+          </a:prstGeom>
+          <a:noFill/>
+        </p:spPr>
+        <p:txBody>
+          <a:bodyPr wrap="square" rtlCol="0">
+            <a:spAutoFit/>
+          </a:bodyPr>
+          <a:lstStyle/>
+          <a:p>
+            <a:r>
+              <a:rPr lang="en-IN" dirty="0">
+                <a:solidFill>
+                  <a:srgbClr val="00B0F0"/>
+                </a:solidFill>
+              </a:rPr>
+              <a:t>https://github.com/hrana564/Regex</a:t>
+            </a:r>
+          </a:p>
+        </p:txBody>
+      </p:sp>
+      <p:sp>
+        <p:nvSpPr>
+          <p:cNvPr id="6" name="Title 1">
+            <a:extLst>
+              <a:ext uri="{FF2B5EF4-FFF2-40B4-BE49-F238E27FC236}">
+                <a16:creationId xmlns:a16="http://schemas.microsoft.com/office/drawing/2014/main" id="{CA0E7DF5-4CB5-4FDB-B49C-AD9DF66A9B45}"/>
+              </a:ext>
+            </a:extLst>
+          </p:cNvPr>
           <p:cNvSpPr>
             <a:spLocks noGrp="1"/>
           </p:cNvSpPr>
@@ -5116,70 +5353,28 @@
             <p:ph type="title"/>
           </p:nvPr>
         </p:nvSpPr>
-        <p:spPr/>
+        <p:spPr>
+          <a:xfrm>
+            <a:off x="1547664" y="53752"/>
+            <a:ext cx="5423769" cy="1143000"/>
+          </a:xfrm>
+        </p:spPr>
         <p:txBody>
           <a:bodyPr/>
           <a:lstStyle/>
           <a:p>
             <a:r>
               <a:rPr lang="en-US" dirty="0"/>
-              <a:t>Regex Modes</a:t>
+              <a:t>Environment  Setup</a:t>
             </a:r>
             <a:endParaRPr lang="en-GB" dirty="0"/>
-          </a:p>
-        </p:txBody>
-      </p:sp>
-      <p:sp>
-        <p:nvSpPr>
-          <p:cNvPr id="3" name="Content Placeholder 2"/>
-          <p:cNvSpPr>
-            <a:spLocks noGrp="1"/>
-          </p:cNvSpPr>
-          <p:nvPr>
-            <p:ph idx="1"/>
-          </p:nvPr>
-        </p:nvSpPr>
-        <p:spPr/>
-        <p:txBody>
-          <a:bodyPr>
-            <a:normAutofit/>
-          </a:bodyPr>
-          <a:lstStyle/>
-          <a:p>
-            <a:r>
-              <a:rPr lang="en-US" dirty="0"/>
-              <a:t>Standard /cat/</a:t>
-            </a:r>
-          </a:p>
-          <a:p>
-            <a:r>
-              <a:rPr lang="en-US" dirty="0"/>
-              <a:t>Global /cat/g</a:t>
-            </a:r>
-          </a:p>
-          <a:p>
-            <a:r>
-              <a:rPr lang="en-US" dirty="0"/>
-              <a:t>Case-insensitive /cat/</a:t>
-            </a:r>
-            <a:r>
-              <a:rPr lang="en-US" dirty="0" err="1"/>
-              <a:t>i</a:t>
-            </a:r>
-            <a:endParaRPr lang="en-US" dirty="0"/>
-          </a:p>
-          <a:p>
-            <a:r>
-              <a:rPr lang="en-US" dirty="0"/>
-              <a:t>Multiline /cat/m</a:t>
-            </a:r>
           </a:p>
         </p:txBody>
       </p:sp>
     </p:spTree>
     <p:extLst>
       <p:ext uri="{BB962C8B-B14F-4D97-AF65-F5344CB8AC3E}">
-        <p14:creationId xmlns:p14="http://schemas.microsoft.com/office/powerpoint/2010/main" val="2761078252"/>
+        <p14:creationId xmlns:p14="http://schemas.microsoft.com/office/powerpoint/2010/main" val="146843130"/>
       </p:ext>
     </p:extLst>
   </p:cSld>
@@ -5223,7 +5418,7 @@
           <a:p>
             <a:r>
               <a:rPr lang="en-US" dirty="0"/>
-              <a:t>Characters</a:t>
+              <a:t>Regex Modes</a:t>
             </a:r>
             <a:endParaRPr lang="en-GB" dirty="0"/>
           </a:p>
@@ -5241,58 +5436,45 @@
         </p:nvSpPr>
         <p:spPr/>
         <p:txBody>
-          <a:bodyPr/>
+          <a:bodyPr>
+            <a:normAutofit/>
+          </a:bodyPr>
           <a:lstStyle/>
           <a:p>
             <a:r>
               <a:rPr lang="en-US" dirty="0"/>
-              <a:t>Literal Characters : Strings /car/ matches “car”, first 3 letters of “carnival”.</a:t>
-            </a:r>
-          </a:p>
-          <a:p>
-            <a:r>
-              <a:rPr lang="en-US" dirty="0"/>
-              <a:t>Backtracking in matching “cat” in “The cow, camel and cat”.</a:t>
-            </a:r>
-          </a:p>
-          <a:p>
-            <a:r>
-              <a:rPr lang="en-US" dirty="0"/>
-              <a:t>Meta characters : \ . * + - {} [] ^ $ | ? () : ! = and escaping them. </a:t>
+              <a:t>Standard /cat/</a:t>
+            </a:r>
+          </a:p>
+          <a:p>
+            <a:r>
+              <a:rPr lang="en-US" dirty="0"/>
+              <a:t>Global /cat/g</a:t>
+            </a:r>
+          </a:p>
+          <a:p>
+            <a:r>
+              <a:rPr lang="en-US" dirty="0"/>
+              <a:t>Case-insensitive /cat/</a:t>
             </a:r>
             <a:r>
               <a:rPr lang="en-US" dirty="0" err="1"/>
-              <a:t>Eg</a:t>
-            </a:r>
-            <a:r>
-              <a:rPr lang="en-US" dirty="0"/>
-              <a:t> “resume1.txt” matches “resume11txt”.</a:t>
-            </a:r>
-          </a:p>
-          <a:p>
-            <a:r>
-              <a:rPr lang="en-US" dirty="0"/>
-              <a:t>\t-&gt;tab; \r, \n, \r\n -&gt;line returns;</a:t>
-            </a:r>
-          </a:p>
-          <a:p>
-            <a:r>
-              <a:rPr lang="en-US" dirty="0"/>
-              <a:t>Dot wildcard matches all.</a:t>
-            </a:r>
-          </a:p>
-          <a:p>
-            <a:pPr marL="114300" indent="0">
-              <a:buNone/>
-            </a:pPr>
+              <a:t>i</a:t>
+            </a:r>
             <a:endParaRPr lang="en-US" dirty="0"/>
+          </a:p>
+          <a:p>
+            <a:r>
+              <a:rPr lang="en-US" dirty="0"/>
+              <a:t>Multiline /cat/m</a:t>
+            </a:r>
           </a:p>
         </p:txBody>
       </p:sp>
     </p:spTree>
     <p:extLst>
       <p:ext uri="{BB962C8B-B14F-4D97-AF65-F5344CB8AC3E}">
-        <p14:creationId xmlns:p14="http://schemas.microsoft.com/office/powerpoint/2010/main" val="842305003"/>
+        <p14:creationId xmlns:p14="http://schemas.microsoft.com/office/powerpoint/2010/main" val="2761078252"/>
       </p:ext>
     </p:extLst>
   </p:cSld>
@@ -5336,6 +5518,119 @@
           <a:p>
             <a:r>
               <a:rPr lang="en-US" dirty="0"/>
+              <a:t>Characters</a:t>
+            </a:r>
+            <a:endParaRPr lang="en-GB" dirty="0"/>
+          </a:p>
+        </p:txBody>
+      </p:sp>
+      <p:sp>
+        <p:nvSpPr>
+          <p:cNvPr id="3" name="Content Placeholder 2"/>
+          <p:cNvSpPr>
+            <a:spLocks noGrp="1"/>
+          </p:cNvSpPr>
+          <p:nvPr>
+            <p:ph idx="1"/>
+          </p:nvPr>
+        </p:nvSpPr>
+        <p:spPr/>
+        <p:txBody>
+          <a:bodyPr/>
+          <a:lstStyle/>
+          <a:p>
+            <a:r>
+              <a:rPr lang="en-US" dirty="0"/>
+              <a:t>Literal Characters : Strings /car/ matches “car”, first 3 letters of “carnival”.</a:t>
+            </a:r>
+          </a:p>
+          <a:p>
+            <a:r>
+              <a:rPr lang="en-US" dirty="0"/>
+              <a:t>Backtracking in matching “cat” in “The cow, camel and cat”.</a:t>
+            </a:r>
+          </a:p>
+          <a:p>
+            <a:r>
+              <a:rPr lang="en-US" dirty="0"/>
+              <a:t>Meta characters : \ . * + - {} [] ^ $ | ? () : ! = and escaping them. </a:t>
+            </a:r>
+            <a:r>
+              <a:rPr lang="en-US" dirty="0" err="1"/>
+              <a:t>Eg</a:t>
+            </a:r>
+            <a:r>
+              <a:rPr lang="en-US" dirty="0"/>
+              <a:t> “resume1.txt” matches “resume11txt”.</a:t>
+            </a:r>
+          </a:p>
+          <a:p>
+            <a:r>
+              <a:rPr lang="en-US" dirty="0"/>
+              <a:t>\t-&gt;tab; \r, \n, \r\n -&gt;line returns;</a:t>
+            </a:r>
+          </a:p>
+          <a:p>
+            <a:r>
+              <a:rPr lang="en-US" dirty="0"/>
+              <a:t>Dot wildcard matches all.</a:t>
+            </a:r>
+          </a:p>
+          <a:p>
+            <a:pPr marL="114300" indent="0">
+              <a:buNone/>
+            </a:pPr>
+            <a:endParaRPr lang="en-US" dirty="0"/>
+          </a:p>
+        </p:txBody>
+      </p:sp>
+    </p:spTree>
+    <p:extLst>
+      <p:ext uri="{BB962C8B-B14F-4D97-AF65-F5344CB8AC3E}">
+        <p14:creationId xmlns:p14="http://schemas.microsoft.com/office/powerpoint/2010/main" val="842305003"/>
+      </p:ext>
+    </p:extLst>
+  </p:cSld>
+  <p:clrMapOvr>
+    <a:masterClrMapping/>
+  </p:clrMapOvr>
+</p:sld>
+</file>
+
+<file path=ppt/slides/slide7.xml><?xml version="1.0" encoding="utf-8"?>
+<p:sld xmlns:a="http://schemas.openxmlformats.org/drawingml/2006/main" xmlns:r="http://schemas.openxmlformats.org/officeDocument/2006/relationships" xmlns:p="http://schemas.openxmlformats.org/presentationml/2006/main">
+  <p:cSld>
+    <p:spTree>
+      <p:nvGrpSpPr>
+        <p:cNvPr id="1" name=""/>
+        <p:cNvGrpSpPr/>
+        <p:nvPr/>
+      </p:nvGrpSpPr>
+      <p:grpSpPr>
+        <a:xfrm>
+          <a:off x="0" y="0"/>
+          <a:ext cx="0" cy="0"/>
+          <a:chOff x="0" y="0"/>
+          <a:chExt cx="0" cy="0"/>
+        </a:xfrm>
+      </p:grpSpPr>
+      <p:sp>
+        <p:nvSpPr>
+          <p:cNvPr id="2" name="Title 1"/>
+          <p:cNvSpPr>
+            <a:spLocks noGrp="1"/>
+          </p:cNvSpPr>
+          <p:nvPr>
+            <p:ph type="title"/>
+          </p:nvPr>
+        </p:nvSpPr>
+        <p:spPr/>
+        <p:txBody>
+          <a:bodyPr/>
+          <a:lstStyle/>
+          <a:p>
+            <a:r>
+              <a:rPr lang="en-US" dirty="0"/>
               <a:t>Range Characters</a:t>
             </a:r>
             <a:endParaRPr lang="en-GB" dirty="0"/>
@@ -5454,7 +5749,7 @@
 </p:sld>
 </file>
 
-<file path=ppt/slides/slide7.xml><?xml version="1.0" encoding="utf-8"?>
+<file path=ppt/slides/slide8.xml><?xml version="1.0" encoding="utf-8"?>
 <p:sld xmlns:a="http://schemas.openxmlformats.org/drawingml/2006/main" xmlns:r="http://schemas.openxmlformats.org/officeDocument/2006/relationships" xmlns:p="http://schemas.openxmlformats.org/presentationml/2006/main">
   <p:cSld>
     <p:spTree>
@@ -6886,7 +7181,7 @@
 </p:sld>
 </file>
 
-<file path=ppt/slides/slide8.xml><?xml version="1.0" encoding="utf-8"?>
+<file path=ppt/slides/slide9.xml><?xml version="1.0" encoding="utf-8"?>
 <p:sld xmlns:a="http://schemas.openxmlformats.org/drawingml/2006/main" xmlns:r="http://schemas.openxmlformats.org/officeDocument/2006/relationships" xmlns:p="http://schemas.openxmlformats.org/presentationml/2006/main">
   <p:cSld>
     <p:spTree>
@@ -7630,149 +7925,6 @@
     <p:extLst>
       <p:ext uri="{BB962C8B-B14F-4D97-AF65-F5344CB8AC3E}">
         <p14:creationId xmlns:p14="http://schemas.microsoft.com/office/powerpoint/2010/main" val="3231036433"/>
-      </p:ext>
-    </p:extLst>
-  </p:cSld>
-  <p:clrMapOvr>
-    <a:masterClrMapping/>
-  </p:clrMapOvr>
-</p:sld>
-</file>
-
-<file path=ppt/slides/slide9.xml><?xml version="1.0" encoding="utf-8"?>
-<p:sld xmlns:a="http://schemas.openxmlformats.org/drawingml/2006/main" xmlns:r="http://schemas.openxmlformats.org/officeDocument/2006/relationships" xmlns:p="http://schemas.openxmlformats.org/presentationml/2006/main">
-  <p:cSld>
-    <p:spTree>
-      <p:nvGrpSpPr>
-        <p:cNvPr id="1" name=""/>
-        <p:cNvGrpSpPr/>
-        <p:nvPr/>
-      </p:nvGrpSpPr>
-      <p:grpSpPr>
-        <a:xfrm>
-          <a:off x="0" y="0"/>
-          <a:ext cx="0" cy="0"/>
-          <a:chOff x="0" y="0"/>
-          <a:chExt cx="0" cy="0"/>
-        </a:xfrm>
-      </p:grpSpPr>
-      <p:sp>
-        <p:nvSpPr>
-          <p:cNvPr id="3" name="Content Placeholder 2"/>
-          <p:cNvSpPr>
-            <a:spLocks noGrp="1"/>
-          </p:cNvSpPr>
-          <p:nvPr>
-            <p:ph idx="1"/>
-          </p:nvPr>
-        </p:nvSpPr>
-        <p:spPr>
-          <a:xfrm>
-            <a:off x="467544" y="548680"/>
-            <a:ext cx="7620000" cy="4800600"/>
-          </a:xfrm>
-        </p:spPr>
-        <p:txBody>
-          <a:bodyPr/>
-          <a:lstStyle/>
-          <a:p>
-            <a:r>
-              <a:rPr lang="en-US" dirty="0"/>
-              <a:t>Apples* matches </a:t>
-            </a:r>
-            <a:r>
-              <a:rPr lang="en-US" dirty="0" err="1"/>
-              <a:t>Applesssssssssss</a:t>
-            </a:r>
-            <a:r>
-              <a:rPr lang="en-US" dirty="0"/>
-              <a:t>, Apple and Apples.</a:t>
-            </a:r>
-          </a:p>
-          <a:p>
-            <a:r>
-              <a:rPr lang="en-US" dirty="0"/>
-              <a:t>Apples+ matches </a:t>
-            </a:r>
-            <a:r>
-              <a:rPr lang="en-US" dirty="0" err="1"/>
-              <a:t>Applesssssssssss</a:t>
-            </a:r>
-            <a:r>
-              <a:rPr lang="en-US" dirty="0"/>
-              <a:t> and Apples.</a:t>
-            </a:r>
-          </a:p>
-          <a:p>
-            <a:r>
-              <a:rPr lang="en-US" dirty="0"/>
-              <a:t>Apples? matches Apple and Apples.</a:t>
-            </a:r>
-            <a:endParaRPr lang="en-GB" dirty="0"/>
-          </a:p>
-          <a:p>
-            <a:r>
-              <a:rPr lang="en-US" dirty="0"/>
-              <a:t>\d\d\d\d* matches numbers with 3 digits or more.</a:t>
-            </a:r>
-          </a:p>
-          <a:p>
-            <a:r>
-              <a:rPr lang="en-US" dirty="0"/>
-              <a:t>\d\d\d\d+ matches numbers with 4 digits or more.</a:t>
-            </a:r>
-          </a:p>
-          <a:p>
-            <a:r>
-              <a:rPr lang="en-US" dirty="0" err="1"/>
-              <a:t>Colou?r</a:t>
-            </a:r>
-            <a:r>
-              <a:rPr lang="en-US" dirty="0"/>
-              <a:t> matches Color and </a:t>
-            </a:r>
-            <a:r>
-              <a:rPr lang="en-US" dirty="0" err="1"/>
-              <a:t>Colour</a:t>
-            </a:r>
-            <a:endParaRPr lang="en-US" dirty="0"/>
-          </a:p>
-          <a:p>
-            <a:r>
-              <a:rPr lang="en-US" dirty="0"/>
-              <a:t>\d{4,8} matches numbers with four to eight digits.</a:t>
-            </a:r>
-          </a:p>
-          <a:p>
-            <a:r>
-              <a:rPr lang="en-US" dirty="0"/>
-              <a:t>\d{4} matches numbers with exactly four digits(min is max).</a:t>
-            </a:r>
-          </a:p>
-          <a:p>
-            <a:r>
-              <a:rPr lang="en-US" dirty="0"/>
-              <a:t>\d{4,} matches numbers with four or more digits(max is infinite).</a:t>
-            </a:r>
-          </a:p>
-          <a:p>
-            <a:r>
-              <a:rPr lang="en-US" dirty="0"/>
-              <a:t>\d{0,} = \d*     and     \d{1,} = \d+</a:t>
-            </a:r>
-          </a:p>
-          <a:p>
-            <a:r>
-              <a:rPr lang="en-US" dirty="0"/>
-              <a:t>\d{3}-\d{3}-\d{4} matches my phone number 855-102-6626</a:t>
-            </a:r>
-          </a:p>
-        </p:txBody>
-      </p:sp>
-    </p:spTree>
-    <p:extLst>
-      <p:ext uri="{BB962C8B-B14F-4D97-AF65-F5344CB8AC3E}">
-        <p14:creationId xmlns:p14="http://schemas.microsoft.com/office/powerpoint/2010/main" val="1351867035"/>
       </p:ext>
     </p:extLst>
   </p:cSld>
